--- a/ppt 16-9/1536.祢就是耶稣.pptx
+++ b/ppt 16-9/1536.祢就是耶稣.pptx
@@ -129,7 +129,7 @@
           <p:cNvPr id="2" name="标题 1">
             <a:extLst>
               <a:ext uri="{FF2B5EF4-FFF2-40B4-BE49-F238E27FC236}">
-                <a16:creationId xmlns:a16="http://schemas.microsoft.com/office/drawing/2014/main" id="{F23AD351-82DF-D3AE-7668-6344CF972D94}"/>
+                <a16:creationId xmlns:a16="http://schemas.microsoft.com/office/drawing/2014/main" id="{0969CDD1-8A67-71DB-C066-EF8D6A0A1B44}"/>
               </a:ext>
             </a:extLst>
           </p:cNvPr>
@@ -166,7 +166,7 @@
           <p:cNvPr id="3" name="副标题 2">
             <a:extLst>
               <a:ext uri="{FF2B5EF4-FFF2-40B4-BE49-F238E27FC236}">
-                <a16:creationId xmlns:a16="http://schemas.microsoft.com/office/drawing/2014/main" id="{BEC764CC-68A2-98D9-60D7-40268A46C136}"/>
+                <a16:creationId xmlns:a16="http://schemas.microsoft.com/office/drawing/2014/main" id="{C34AA3E5-B1E9-CA69-C1FC-FDC1CD477BAF}"/>
               </a:ext>
             </a:extLst>
           </p:cNvPr>
@@ -236,7 +236,7 @@
           <p:cNvPr id="4" name="日期占位符 3">
             <a:extLst>
               <a:ext uri="{FF2B5EF4-FFF2-40B4-BE49-F238E27FC236}">
-                <a16:creationId xmlns:a16="http://schemas.microsoft.com/office/drawing/2014/main" id="{01457851-1C5D-5136-9DD3-29F578506911}"/>
+                <a16:creationId xmlns:a16="http://schemas.microsoft.com/office/drawing/2014/main" id="{F065FAE8-DF15-FDEC-231E-050BAABB44F3}"/>
               </a:ext>
             </a:extLst>
           </p:cNvPr>
@@ -252,7 +252,7 @@
           <a:bodyPr/>
           <a:lstStyle/>
           <a:p>
-            <a:fld id="{7A29CB31-7979-47D4-9A63-037537F3DA34}" type="datetimeFigureOut">
+            <a:fld id="{1D01E3F0-4E7F-4AA2-9E89-41938081599E}" type="datetimeFigureOut">
               <a:rPr lang="zh-CN" altLang="en-US" smtClean="0"/>
               <a:t>2024/3/10</a:t>
             </a:fld>
@@ -265,7 +265,7 @@
           <p:cNvPr id="5" name="页脚占位符 4">
             <a:extLst>
               <a:ext uri="{FF2B5EF4-FFF2-40B4-BE49-F238E27FC236}">
-                <a16:creationId xmlns:a16="http://schemas.microsoft.com/office/drawing/2014/main" id="{DA5FAAA2-B044-BA97-57A0-D42D34C7722C}"/>
+                <a16:creationId xmlns:a16="http://schemas.microsoft.com/office/drawing/2014/main" id="{34D6E9BA-CCA6-1CCD-DB2D-44D886B5559D}"/>
               </a:ext>
             </a:extLst>
           </p:cNvPr>
@@ -290,7 +290,7 @@
           <p:cNvPr id="6" name="灯片编号占位符 5">
             <a:extLst>
               <a:ext uri="{FF2B5EF4-FFF2-40B4-BE49-F238E27FC236}">
-                <a16:creationId xmlns:a16="http://schemas.microsoft.com/office/drawing/2014/main" id="{B09ACC5F-47B3-F823-0B72-08AC452D7250}"/>
+                <a16:creationId xmlns:a16="http://schemas.microsoft.com/office/drawing/2014/main" id="{832A041D-D0BD-D4F9-A17E-02EF92274DFF}"/>
               </a:ext>
             </a:extLst>
           </p:cNvPr>
@@ -306,7 +306,7 @@
           <a:bodyPr/>
           <a:lstStyle/>
           <a:p>
-            <a:fld id="{D0F760B3-065F-4BFB-B913-C7B3B63010CB}" type="slidenum">
+            <a:fld id="{A712FE33-2B27-4A01-98AB-2492BDF0F94C}" type="slidenum">
               <a:rPr lang="zh-CN" altLang="en-US" smtClean="0"/>
               <a:t>‹#›</a:t>
             </a:fld>
@@ -317,7 +317,7 @@
     </p:spTree>
     <p:extLst>
       <p:ext uri="{BB962C8B-B14F-4D97-AF65-F5344CB8AC3E}">
-        <p14:creationId xmlns:p14="http://schemas.microsoft.com/office/powerpoint/2010/main" val="4265727347"/>
+        <p14:creationId xmlns:p14="http://schemas.microsoft.com/office/powerpoint/2010/main" val="305651724"/>
       </p:ext>
     </p:extLst>
   </p:cSld>
@@ -349,7 +349,7 @@
           <p:cNvPr id="2" name="标题 1">
             <a:extLst>
               <a:ext uri="{FF2B5EF4-FFF2-40B4-BE49-F238E27FC236}">
-                <a16:creationId xmlns:a16="http://schemas.microsoft.com/office/drawing/2014/main" id="{6B04F0A1-7403-6DEF-8F71-FA2DE4301193}"/>
+                <a16:creationId xmlns:a16="http://schemas.microsoft.com/office/drawing/2014/main" id="{A0550347-D455-CC91-F966-AF7F638F74E6}"/>
               </a:ext>
             </a:extLst>
           </p:cNvPr>
@@ -377,7 +377,7 @@
           <p:cNvPr id="3" name="竖排文字占位符 2">
             <a:extLst>
               <a:ext uri="{FF2B5EF4-FFF2-40B4-BE49-F238E27FC236}">
-                <a16:creationId xmlns:a16="http://schemas.microsoft.com/office/drawing/2014/main" id="{3FB13AA2-6754-1488-9C5B-DFE6CACF0712}"/>
+                <a16:creationId xmlns:a16="http://schemas.microsoft.com/office/drawing/2014/main" id="{828A8EA7-CF90-DD61-2AB5-F2F3AA17E74B}"/>
               </a:ext>
             </a:extLst>
           </p:cNvPr>
@@ -434,7 +434,7 @@
           <p:cNvPr id="4" name="日期占位符 3">
             <a:extLst>
               <a:ext uri="{FF2B5EF4-FFF2-40B4-BE49-F238E27FC236}">
-                <a16:creationId xmlns:a16="http://schemas.microsoft.com/office/drawing/2014/main" id="{9C8404FD-5205-EE59-69AF-DD2ABF007D0D}"/>
+                <a16:creationId xmlns:a16="http://schemas.microsoft.com/office/drawing/2014/main" id="{A43EB192-D9EB-8241-D66F-D360FDC51FCC}"/>
               </a:ext>
             </a:extLst>
           </p:cNvPr>
@@ -450,7 +450,7 @@
           <a:bodyPr/>
           <a:lstStyle/>
           <a:p>
-            <a:fld id="{7A29CB31-7979-47D4-9A63-037537F3DA34}" type="datetimeFigureOut">
+            <a:fld id="{1D01E3F0-4E7F-4AA2-9E89-41938081599E}" type="datetimeFigureOut">
               <a:rPr lang="zh-CN" altLang="en-US" smtClean="0"/>
               <a:t>2024/3/10</a:t>
             </a:fld>
@@ -463,7 +463,7 @@
           <p:cNvPr id="5" name="页脚占位符 4">
             <a:extLst>
               <a:ext uri="{FF2B5EF4-FFF2-40B4-BE49-F238E27FC236}">
-                <a16:creationId xmlns:a16="http://schemas.microsoft.com/office/drawing/2014/main" id="{601CF4E0-81B4-60AF-048F-72DC875766EA}"/>
+                <a16:creationId xmlns:a16="http://schemas.microsoft.com/office/drawing/2014/main" id="{44CA4E5F-CA0C-8CD8-5E32-448CC7FBE2E0}"/>
               </a:ext>
             </a:extLst>
           </p:cNvPr>
@@ -488,7 +488,7 @@
           <p:cNvPr id="6" name="灯片编号占位符 5">
             <a:extLst>
               <a:ext uri="{FF2B5EF4-FFF2-40B4-BE49-F238E27FC236}">
-                <a16:creationId xmlns:a16="http://schemas.microsoft.com/office/drawing/2014/main" id="{DBF3EE7C-014C-5820-C178-47CF138A44B3}"/>
+                <a16:creationId xmlns:a16="http://schemas.microsoft.com/office/drawing/2014/main" id="{F8B928C9-5F26-3DA2-00A8-E0FC8F90A6A8}"/>
               </a:ext>
             </a:extLst>
           </p:cNvPr>
@@ -504,7 +504,7 @@
           <a:bodyPr/>
           <a:lstStyle/>
           <a:p>
-            <a:fld id="{D0F760B3-065F-4BFB-B913-C7B3B63010CB}" type="slidenum">
+            <a:fld id="{A712FE33-2B27-4A01-98AB-2492BDF0F94C}" type="slidenum">
               <a:rPr lang="zh-CN" altLang="en-US" smtClean="0"/>
               <a:t>‹#›</a:t>
             </a:fld>
@@ -515,7 +515,7 @@
     </p:spTree>
     <p:extLst>
       <p:ext uri="{BB962C8B-B14F-4D97-AF65-F5344CB8AC3E}">
-        <p14:creationId xmlns:p14="http://schemas.microsoft.com/office/powerpoint/2010/main" val="500489388"/>
+        <p14:creationId xmlns:p14="http://schemas.microsoft.com/office/powerpoint/2010/main" val="2638978083"/>
       </p:ext>
     </p:extLst>
   </p:cSld>
@@ -547,7 +547,7 @@
           <p:cNvPr id="2" name="竖排标题 1">
             <a:extLst>
               <a:ext uri="{FF2B5EF4-FFF2-40B4-BE49-F238E27FC236}">
-                <a16:creationId xmlns:a16="http://schemas.microsoft.com/office/drawing/2014/main" id="{8862F488-D7FF-8D61-26AE-859993851A05}"/>
+                <a16:creationId xmlns:a16="http://schemas.microsoft.com/office/drawing/2014/main" id="{DBEBA31B-E7AD-8D55-59AC-71000540C613}"/>
               </a:ext>
             </a:extLst>
           </p:cNvPr>
@@ -580,7 +580,7 @@
           <p:cNvPr id="3" name="竖排文字占位符 2">
             <a:extLst>
               <a:ext uri="{FF2B5EF4-FFF2-40B4-BE49-F238E27FC236}">
-                <a16:creationId xmlns:a16="http://schemas.microsoft.com/office/drawing/2014/main" id="{077FB8FD-53F5-6C2D-6B7F-0E8F271AF536}"/>
+                <a16:creationId xmlns:a16="http://schemas.microsoft.com/office/drawing/2014/main" id="{4ED44423-1668-DCE3-A3CE-2A62FCC1C82C}"/>
               </a:ext>
             </a:extLst>
           </p:cNvPr>
@@ -642,7 +642,7 @@
           <p:cNvPr id="4" name="日期占位符 3">
             <a:extLst>
               <a:ext uri="{FF2B5EF4-FFF2-40B4-BE49-F238E27FC236}">
-                <a16:creationId xmlns:a16="http://schemas.microsoft.com/office/drawing/2014/main" id="{72A3DDE0-4A49-C657-2600-788F0CF9DACE}"/>
+                <a16:creationId xmlns:a16="http://schemas.microsoft.com/office/drawing/2014/main" id="{475FC351-ECBB-B3D2-67C1-4FEF85B72BA4}"/>
               </a:ext>
             </a:extLst>
           </p:cNvPr>
@@ -658,7 +658,7 @@
           <a:bodyPr/>
           <a:lstStyle/>
           <a:p>
-            <a:fld id="{7A29CB31-7979-47D4-9A63-037537F3DA34}" type="datetimeFigureOut">
+            <a:fld id="{1D01E3F0-4E7F-4AA2-9E89-41938081599E}" type="datetimeFigureOut">
               <a:rPr lang="zh-CN" altLang="en-US" smtClean="0"/>
               <a:t>2024/3/10</a:t>
             </a:fld>
@@ -671,7 +671,7 @@
           <p:cNvPr id="5" name="页脚占位符 4">
             <a:extLst>
               <a:ext uri="{FF2B5EF4-FFF2-40B4-BE49-F238E27FC236}">
-                <a16:creationId xmlns:a16="http://schemas.microsoft.com/office/drawing/2014/main" id="{3BDA4299-CF7B-C85D-845A-72E4F1C33B63}"/>
+                <a16:creationId xmlns:a16="http://schemas.microsoft.com/office/drawing/2014/main" id="{D6AA7CD1-1F0F-F52A-5DBB-1124539D84FB}"/>
               </a:ext>
             </a:extLst>
           </p:cNvPr>
@@ -696,7 +696,7 @@
           <p:cNvPr id="6" name="灯片编号占位符 5">
             <a:extLst>
               <a:ext uri="{FF2B5EF4-FFF2-40B4-BE49-F238E27FC236}">
-                <a16:creationId xmlns:a16="http://schemas.microsoft.com/office/drawing/2014/main" id="{9FA23CD0-2DD3-4116-DF6E-3511B1A0C5E5}"/>
+                <a16:creationId xmlns:a16="http://schemas.microsoft.com/office/drawing/2014/main" id="{95484BDA-0C84-0E93-C5BB-DE0CA759220A}"/>
               </a:ext>
             </a:extLst>
           </p:cNvPr>
@@ -712,7 +712,7 @@
           <a:bodyPr/>
           <a:lstStyle/>
           <a:p>
-            <a:fld id="{D0F760B3-065F-4BFB-B913-C7B3B63010CB}" type="slidenum">
+            <a:fld id="{A712FE33-2B27-4A01-98AB-2492BDF0F94C}" type="slidenum">
               <a:rPr lang="zh-CN" altLang="en-US" smtClean="0"/>
               <a:t>‹#›</a:t>
             </a:fld>
@@ -723,7 +723,7 @@
     </p:spTree>
     <p:extLst>
       <p:ext uri="{BB962C8B-B14F-4D97-AF65-F5344CB8AC3E}">
-        <p14:creationId xmlns:p14="http://schemas.microsoft.com/office/powerpoint/2010/main" val="1320439533"/>
+        <p14:creationId xmlns:p14="http://schemas.microsoft.com/office/powerpoint/2010/main" val="454397281"/>
       </p:ext>
     </p:extLst>
   </p:cSld>
@@ -755,7 +755,7 @@
           <p:cNvPr id="2" name="标题 1">
             <a:extLst>
               <a:ext uri="{FF2B5EF4-FFF2-40B4-BE49-F238E27FC236}">
-                <a16:creationId xmlns:a16="http://schemas.microsoft.com/office/drawing/2014/main" id="{B5148A53-6BAF-790C-23E8-C0D598FE258D}"/>
+                <a16:creationId xmlns:a16="http://schemas.microsoft.com/office/drawing/2014/main" id="{385F98B5-D94F-DAAF-E965-A12CC95C0AFB}"/>
               </a:ext>
             </a:extLst>
           </p:cNvPr>
@@ -783,7 +783,7 @@
           <p:cNvPr id="3" name="内容占位符 2">
             <a:extLst>
               <a:ext uri="{FF2B5EF4-FFF2-40B4-BE49-F238E27FC236}">
-                <a16:creationId xmlns:a16="http://schemas.microsoft.com/office/drawing/2014/main" id="{02BD71BB-28BF-B145-2891-2D6EB3981F64}"/>
+                <a16:creationId xmlns:a16="http://schemas.microsoft.com/office/drawing/2014/main" id="{FE21AC7B-4621-6234-16E8-FB55B80CE09E}"/>
               </a:ext>
             </a:extLst>
           </p:cNvPr>
@@ -840,7 +840,7 @@
           <p:cNvPr id="4" name="日期占位符 3">
             <a:extLst>
               <a:ext uri="{FF2B5EF4-FFF2-40B4-BE49-F238E27FC236}">
-                <a16:creationId xmlns:a16="http://schemas.microsoft.com/office/drawing/2014/main" id="{39135CCC-67F5-EF42-AFF5-C12DCDA97610}"/>
+                <a16:creationId xmlns:a16="http://schemas.microsoft.com/office/drawing/2014/main" id="{0F48E68E-7B6F-69AE-1FD4-F18A7A59D32B}"/>
               </a:ext>
             </a:extLst>
           </p:cNvPr>
@@ -856,7 +856,7 @@
           <a:bodyPr/>
           <a:lstStyle/>
           <a:p>
-            <a:fld id="{7A29CB31-7979-47D4-9A63-037537F3DA34}" type="datetimeFigureOut">
+            <a:fld id="{1D01E3F0-4E7F-4AA2-9E89-41938081599E}" type="datetimeFigureOut">
               <a:rPr lang="zh-CN" altLang="en-US" smtClean="0"/>
               <a:t>2024/3/10</a:t>
             </a:fld>
@@ -869,7 +869,7 @@
           <p:cNvPr id="5" name="页脚占位符 4">
             <a:extLst>
               <a:ext uri="{FF2B5EF4-FFF2-40B4-BE49-F238E27FC236}">
-                <a16:creationId xmlns:a16="http://schemas.microsoft.com/office/drawing/2014/main" id="{C06F3D2A-6F6E-BF26-B942-43F41EF9D462}"/>
+                <a16:creationId xmlns:a16="http://schemas.microsoft.com/office/drawing/2014/main" id="{827EDC42-39F0-200E-5D0B-9F9F619359EA}"/>
               </a:ext>
             </a:extLst>
           </p:cNvPr>
@@ -894,7 +894,7 @@
           <p:cNvPr id="6" name="灯片编号占位符 5">
             <a:extLst>
               <a:ext uri="{FF2B5EF4-FFF2-40B4-BE49-F238E27FC236}">
-                <a16:creationId xmlns:a16="http://schemas.microsoft.com/office/drawing/2014/main" id="{FD55919B-4DF3-9831-D07C-95ADB7A1C26E}"/>
+                <a16:creationId xmlns:a16="http://schemas.microsoft.com/office/drawing/2014/main" id="{82CF72FD-0A96-93A2-FD9E-586D224E9E40}"/>
               </a:ext>
             </a:extLst>
           </p:cNvPr>
@@ -910,7 +910,7 @@
           <a:bodyPr/>
           <a:lstStyle/>
           <a:p>
-            <a:fld id="{D0F760B3-065F-4BFB-B913-C7B3B63010CB}" type="slidenum">
+            <a:fld id="{A712FE33-2B27-4A01-98AB-2492BDF0F94C}" type="slidenum">
               <a:rPr lang="zh-CN" altLang="en-US" smtClean="0"/>
               <a:t>‹#›</a:t>
             </a:fld>
@@ -921,7 +921,7 @@
     </p:spTree>
     <p:extLst>
       <p:ext uri="{BB962C8B-B14F-4D97-AF65-F5344CB8AC3E}">
-        <p14:creationId xmlns:p14="http://schemas.microsoft.com/office/powerpoint/2010/main" val="2502322323"/>
+        <p14:creationId xmlns:p14="http://schemas.microsoft.com/office/powerpoint/2010/main" val="3691646947"/>
       </p:ext>
     </p:extLst>
   </p:cSld>
@@ -953,7 +953,7 @@
           <p:cNvPr id="2" name="标题 1">
             <a:extLst>
               <a:ext uri="{FF2B5EF4-FFF2-40B4-BE49-F238E27FC236}">
-                <a16:creationId xmlns:a16="http://schemas.microsoft.com/office/drawing/2014/main" id="{D9E14127-56BD-F0EF-955A-144C8375B8F7}"/>
+                <a16:creationId xmlns:a16="http://schemas.microsoft.com/office/drawing/2014/main" id="{BAC7A2B1-3330-2A72-7333-54E191276226}"/>
               </a:ext>
             </a:extLst>
           </p:cNvPr>
@@ -990,7 +990,7 @@
           <p:cNvPr id="3" name="文本占位符 2">
             <a:extLst>
               <a:ext uri="{FF2B5EF4-FFF2-40B4-BE49-F238E27FC236}">
-                <a16:creationId xmlns:a16="http://schemas.microsoft.com/office/drawing/2014/main" id="{6C5409B1-3005-8672-31DF-7E5B0E2D3A3F}"/>
+                <a16:creationId xmlns:a16="http://schemas.microsoft.com/office/drawing/2014/main" id="{25137138-0C64-8237-B12C-639A2DFD9065}"/>
               </a:ext>
             </a:extLst>
           </p:cNvPr>
@@ -1115,7 +1115,7 @@
           <p:cNvPr id="4" name="日期占位符 3">
             <a:extLst>
               <a:ext uri="{FF2B5EF4-FFF2-40B4-BE49-F238E27FC236}">
-                <a16:creationId xmlns:a16="http://schemas.microsoft.com/office/drawing/2014/main" id="{5EADD0BF-247B-61F3-B383-32CE7D2FECCD}"/>
+                <a16:creationId xmlns:a16="http://schemas.microsoft.com/office/drawing/2014/main" id="{CB3E914F-0CC3-7BFC-6A52-D27C824296A7}"/>
               </a:ext>
             </a:extLst>
           </p:cNvPr>
@@ -1131,7 +1131,7 @@
           <a:bodyPr/>
           <a:lstStyle/>
           <a:p>
-            <a:fld id="{7A29CB31-7979-47D4-9A63-037537F3DA34}" type="datetimeFigureOut">
+            <a:fld id="{1D01E3F0-4E7F-4AA2-9E89-41938081599E}" type="datetimeFigureOut">
               <a:rPr lang="zh-CN" altLang="en-US" smtClean="0"/>
               <a:t>2024/3/10</a:t>
             </a:fld>
@@ -1144,7 +1144,7 @@
           <p:cNvPr id="5" name="页脚占位符 4">
             <a:extLst>
               <a:ext uri="{FF2B5EF4-FFF2-40B4-BE49-F238E27FC236}">
-                <a16:creationId xmlns:a16="http://schemas.microsoft.com/office/drawing/2014/main" id="{E2E52B19-08E1-7F92-1B8C-33E6AF0EC4C0}"/>
+                <a16:creationId xmlns:a16="http://schemas.microsoft.com/office/drawing/2014/main" id="{45E2A3E3-5194-0D47-1A7B-2B576E9AAA3F}"/>
               </a:ext>
             </a:extLst>
           </p:cNvPr>
@@ -1169,7 +1169,7 @@
           <p:cNvPr id="6" name="灯片编号占位符 5">
             <a:extLst>
               <a:ext uri="{FF2B5EF4-FFF2-40B4-BE49-F238E27FC236}">
-                <a16:creationId xmlns:a16="http://schemas.microsoft.com/office/drawing/2014/main" id="{50F60954-3272-86C0-F66A-E04C84FFE466}"/>
+                <a16:creationId xmlns:a16="http://schemas.microsoft.com/office/drawing/2014/main" id="{469DA630-B38A-3585-DAB0-BF1F98B7EF59}"/>
               </a:ext>
             </a:extLst>
           </p:cNvPr>
@@ -1185,7 +1185,7 @@
           <a:bodyPr/>
           <a:lstStyle/>
           <a:p>
-            <a:fld id="{D0F760B3-065F-4BFB-B913-C7B3B63010CB}" type="slidenum">
+            <a:fld id="{A712FE33-2B27-4A01-98AB-2492BDF0F94C}" type="slidenum">
               <a:rPr lang="zh-CN" altLang="en-US" smtClean="0"/>
               <a:t>‹#›</a:t>
             </a:fld>
@@ -1196,7 +1196,7 @@
     </p:spTree>
     <p:extLst>
       <p:ext uri="{BB962C8B-B14F-4D97-AF65-F5344CB8AC3E}">
-        <p14:creationId xmlns:p14="http://schemas.microsoft.com/office/powerpoint/2010/main" val="263475372"/>
+        <p14:creationId xmlns:p14="http://schemas.microsoft.com/office/powerpoint/2010/main" val="2563324001"/>
       </p:ext>
     </p:extLst>
   </p:cSld>
@@ -1228,7 +1228,7 @@
           <p:cNvPr id="2" name="标题 1">
             <a:extLst>
               <a:ext uri="{FF2B5EF4-FFF2-40B4-BE49-F238E27FC236}">
-                <a16:creationId xmlns:a16="http://schemas.microsoft.com/office/drawing/2014/main" id="{20CCCF86-996E-9EF7-0644-925BEAB239FC}"/>
+                <a16:creationId xmlns:a16="http://schemas.microsoft.com/office/drawing/2014/main" id="{D4CB690B-9CDF-DA43-130F-8AF480C33B53}"/>
               </a:ext>
             </a:extLst>
           </p:cNvPr>
@@ -1256,7 +1256,7 @@
           <p:cNvPr id="3" name="内容占位符 2">
             <a:extLst>
               <a:ext uri="{FF2B5EF4-FFF2-40B4-BE49-F238E27FC236}">
-                <a16:creationId xmlns:a16="http://schemas.microsoft.com/office/drawing/2014/main" id="{9534950B-AB9A-93BC-5545-CB60BD382773}"/>
+                <a16:creationId xmlns:a16="http://schemas.microsoft.com/office/drawing/2014/main" id="{8253ADDD-2DB7-487D-BD0B-0EF5F723772F}"/>
               </a:ext>
             </a:extLst>
           </p:cNvPr>
@@ -1318,7 +1318,7 @@
           <p:cNvPr id="4" name="内容占位符 3">
             <a:extLst>
               <a:ext uri="{FF2B5EF4-FFF2-40B4-BE49-F238E27FC236}">
-                <a16:creationId xmlns:a16="http://schemas.microsoft.com/office/drawing/2014/main" id="{568F3E87-44C3-C34D-E6DC-B165D1604E54}"/>
+                <a16:creationId xmlns:a16="http://schemas.microsoft.com/office/drawing/2014/main" id="{D2007992-46D9-94CB-C51F-9CA533FC68E5}"/>
               </a:ext>
             </a:extLst>
           </p:cNvPr>
@@ -1380,7 +1380,7 @@
           <p:cNvPr id="5" name="日期占位符 4">
             <a:extLst>
               <a:ext uri="{FF2B5EF4-FFF2-40B4-BE49-F238E27FC236}">
-                <a16:creationId xmlns:a16="http://schemas.microsoft.com/office/drawing/2014/main" id="{EE946728-2045-ECB7-7E07-40A17DD0009A}"/>
+                <a16:creationId xmlns:a16="http://schemas.microsoft.com/office/drawing/2014/main" id="{E452DF24-8D4F-C2FB-73EB-E9F38E24BC27}"/>
               </a:ext>
             </a:extLst>
           </p:cNvPr>
@@ -1396,7 +1396,7 @@
           <a:bodyPr/>
           <a:lstStyle/>
           <a:p>
-            <a:fld id="{7A29CB31-7979-47D4-9A63-037537F3DA34}" type="datetimeFigureOut">
+            <a:fld id="{1D01E3F0-4E7F-4AA2-9E89-41938081599E}" type="datetimeFigureOut">
               <a:rPr lang="zh-CN" altLang="en-US" smtClean="0"/>
               <a:t>2024/3/10</a:t>
             </a:fld>
@@ -1409,7 +1409,7 @@
           <p:cNvPr id="6" name="页脚占位符 5">
             <a:extLst>
               <a:ext uri="{FF2B5EF4-FFF2-40B4-BE49-F238E27FC236}">
-                <a16:creationId xmlns:a16="http://schemas.microsoft.com/office/drawing/2014/main" id="{8CA6FB63-841E-4201-3056-A9214A8AA1AD}"/>
+                <a16:creationId xmlns:a16="http://schemas.microsoft.com/office/drawing/2014/main" id="{BA231FC8-AA33-0871-FD0F-CA1B34CEFBAE}"/>
               </a:ext>
             </a:extLst>
           </p:cNvPr>
@@ -1434,7 +1434,7 @@
           <p:cNvPr id="7" name="灯片编号占位符 6">
             <a:extLst>
               <a:ext uri="{FF2B5EF4-FFF2-40B4-BE49-F238E27FC236}">
-                <a16:creationId xmlns:a16="http://schemas.microsoft.com/office/drawing/2014/main" id="{43664E18-E7AB-705A-2486-5AB281CD52F6}"/>
+                <a16:creationId xmlns:a16="http://schemas.microsoft.com/office/drawing/2014/main" id="{47923EB6-27C6-308E-4290-3903C8A352A3}"/>
               </a:ext>
             </a:extLst>
           </p:cNvPr>
@@ -1450,7 +1450,7 @@
           <a:bodyPr/>
           <a:lstStyle/>
           <a:p>
-            <a:fld id="{D0F760B3-065F-4BFB-B913-C7B3B63010CB}" type="slidenum">
+            <a:fld id="{A712FE33-2B27-4A01-98AB-2492BDF0F94C}" type="slidenum">
               <a:rPr lang="zh-CN" altLang="en-US" smtClean="0"/>
               <a:t>‹#›</a:t>
             </a:fld>
@@ -1461,7 +1461,7 @@
     </p:spTree>
     <p:extLst>
       <p:ext uri="{BB962C8B-B14F-4D97-AF65-F5344CB8AC3E}">
-        <p14:creationId xmlns:p14="http://schemas.microsoft.com/office/powerpoint/2010/main" val="1142415338"/>
+        <p14:creationId xmlns:p14="http://schemas.microsoft.com/office/powerpoint/2010/main" val="3282886023"/>
       </p:ext>
     </p:extLst>
   </p:cSld>
@@ -1493,7 +1493,7 @@
           <p:cNvPr id="2" name="标题 1">
             <a:extLst>
               <a:ext uri="{FF2B5EF4-FFF2-40B4-BE49-F238E27FC236}">
-                <a16:creationId xmlns:a16="http://schemas.microsoft.com/office/drawing/2014/main" id="{FF510024-EC28-251B-355F-5E25F9330F28}"/>
+                <a16:creationId xmlns:a16="http://schemas.microsoft.com/office/drawing/2014/main" id="{9783D678-6EBB-D07E-5009-D5D35623220D}"/>
               </a:ext>
             </a:extLst>
           </p:cNvPr>
@@ -1526,7 +1526,7 @@
           <p:cNvPr id="3" name="文本占位符 2">
             <a:extLst>
               <a:ext uri="{FF2B5EF4-FFF2-40B4-BE49-F238E27FC236}">
-                <a16:creationId xmlns:a16="http://schemas.microsoft.com/office/drawing/2014/main" id="{290F5147-F647-60ED-1E89-F829C6252FD8}"/>
+                <a16:creationId xmlns:a16="http://schemas.microsoft.com/office/drawing/2014/main" id="{51D5134C-82AF-A1F6-C8FE-D4E586C8F77D}"/>
               </a:ext>
             </a:extLst>
           </p:cNvPr>
@@ -1597,7 +1597,7 @@
           <p:cNvPr id="4" name="内容占位符 3">
             <a:extLst>
               <a:ext uri="{FF2B5EF4-FFF2-40B4-BE49-F238E27FC236}">
-                <a16:creationId xmlns:a16="http://schemas.microsoft.com/office/drawing/2014/main" id="{C8D4963B-266A-EE19-78CA-6BD951260544}"/>
+                <a16:creationId xmlns:a16="http://schemas.microsoft.com/office/drawing/2014/main" id="{2953D536-6A6E-A1C9-78F2-286584E9E084}"/>
               </a:ext>
             </a:extLst>
           </p:cNvPr>
@@ -1659,7 +1659,7 @@
           <p:cNvPr id="5" name="文本占位符 4">
             <a:extLst>
               <a:ext uri="{FF2B5EF4-FFF2-40B4-BE49-F238E27FC236}">
-                <a16:creationId xmlns:a16="http://schemas.microsoft.com/office/drawing/2014/main" id="{FA9EF695-4F2D-2569-C06D-BA2419153429}"/>
+                <a16:creationId xmlns:a16="http://schemas.microsoft.com/office/drawing/2014/main" id="{39D27551-0705-B41F-FE57-92E8BD5AF299}"/>
               </a:ext>
             </a:extLst>
           </p:cNvPr>
@@ -1730,7 +1730,7 @@
           <p:cNvPr id="6" name="内容占位符 5">
             <a:extLst>
               <a:ext uri="{FF2B5EF4-FFF2-40B4-BE49-F238E27FC236}">
-                <a16:creationId xmlns:a16="http://schemas.microsoft.com/office/drawing/2014/main" id="{E510375C-EF4F-3BD2-2589-2424CE9DEF99}"/>
+                <a16:creationId xmlns:a16="http://schemas.microsoft.com/office/drawing/2014/main" id="{D3CDA61F-22A1-23C5-1F86-CBB6CB70D76F}"/>
               </a:ext>
             </a:extLst>
           </p:cNvPr>
@@ -1792,7 +1792,7 @@
           <p:cNvPr id="7" name="日期占位符 6">
             <a:extLst>
               <a:ext uri="{FF2B5EF4-FFF2-40B4-BE49-F238E27FC236}">
-                <a16:creationId xmlns:a16="http://schemas.microsoft.com/office/drawing/2014/main" id="{E5B5FCC1-8ACC-103F-F3B6-0420A58743EB}"/>
+                <a16:creationId xmlns:a16="http://schemas.microsoft.com/office/drawing/2014/main" id="{B0011245-027D-E2C3-059E-C5D645E930B9}"/>
               </a:ext>
             </a:extLst>
           </p:cNvPr>
@@ -1808,7 +1808,7 @@
           <a:bodyPr/>
           <a:lstStyle/>
           <a:p>
-            <a:fld id="{7A29CB31-7979-47D4-9A63-037537F3DA34}" type="datetimeFigureOut">
+            <a:fld id="{1D01E3F0-4E7F-4AA2-9E89-41938081599E}" type="datetimeFigureOut">
               <a:rPr lang="zh-CN" altLang="en-US" smtClean="0"/>
               <a:t>2024/3/10</a:t>
             </a:fld>
@@ -1821,7 +1821,7 @@
           <p:cNvPr id="8" name="页脚占位符 7">
             <a:extLst>
               <a:ext uri="{FF2B5EF4-FFF2-40B4-BE49-F238E27FC236}">
-                <a16:creationId xmlns:a16="http://schemas.microsoft.com/office/drawing/2014/main" id="{5D4949E8-79D8-8F15-B0F6-A6F92EF9BFC2}"/>
+                <a16:creationId xmlns:a16="http://schemas.microsoft.com/office/drawing/2014/main" id="{B71CCA10-D3CD-37CD-7F5F-0F4B6446DC4F}"/>
               </a:ext>
             </a:extLst>
           </p:cNvPr>
@@ -1846,7 +1846,7 @@
           <p:cNvPr id="9" name="灯片编号占位符 8">
             <a:extLst>
               <a:ext uri="{FF2B5EF4-FFF2-40B4-BE49-F238E27FC236}">
-                <a16:creationId xmlns:a16="http://schemas.microsoft.com/office/drawing/2014/main" id="{31957659-CC49-9FCC-15C3-6E022736B656}"/>
+                <a16:creationId xmlns:a16="http://schemas.microsoft.com/office/drawing/2014/main" id="{E0DB1F72-379F-1642-06A8-F1FB6C5EEC04}"/>
               </a:ext>
             </a:extLst>
           </p:cNvPr>
@@ -1862,7 +1862,7 @@
           <a:bodyPr/>
           <a:lstStyle/>
           <a:p>
-            <a:fld id="{D0F760B3-065F-4BFB-B913-C7B3B63010CB}" type="slidenum">
+            <a:fld id="{A712FE33-2B27-4A01-98AB-2492BDF0F94C}" type="slidenum">
               <a:rPr lang="zh-CN" altLang="en-US" smtClean="0"/>
               <a:t>‹#›</a:t>
             </a:fld>
@@ -1873,7 +1873,7 @@
     </p:spTree>
     <p:extLst>
       <p:ext uri="{BB962C8B-B14F-4D97-AF65-F5344CB8AC3E}">
-        <p14:creationId xmlns:p14="http://schemas.microsoft.com/office/powerpoint/2010/main" val="1019534861"/>
+        <p14:creationId xmlns:p14="http://schemas.microsoft.com/office/powerpoint/2010/main" val="3861507116"/>
       </p:ext>
     </p:extLst>
   </p:cSld>
@@ -1905,7 +1905,7 @@
           <p:cNvPr id="2" name="标题 1">
             <a:extLst>
               <a:ext uri="{FF2B5EF4-FFF2-40B4-BE49-F238E27FC236}">
-                <a16:creationId xmlns:a16="http://schemas.microsoft.com/office/drawing/2014/main" id="{CDC3F392-53E1-19C2-4FB8-A2A6CA9625A5}"/>
+                <a16:creationId xmlns:a16="http://schemas.microsoft.com/office/drawing/2014/main" id="{1224E02A-EC94-7989-1FB8-1EFF6EA93950}"/>
               </a:ext>
             </a:extLst>
           </p:cNvPr>
@@ -1933,7 +1933,7 @@
           <p:cNvPr id="3" name="日期占位符 2">
             <a:extLst>
               <a:ext uri="{FF2B5EF4-FFF2-40B4-BE49-F238E27FC236}">
-                <a16:creationId xmlns:a16="http://schemas.microsoft.com/office/drawing/2014/main" id="{F0BA3023-F8FC-1BF8-953D-C9ACCFD46FB0}"/>
+                <a16:creationId xmlns:a16="http://schemas.microsoft.com/office/drawing/2014/main" id="{A0F7D140-3DF9-5FC6-38B9-5EDF2C6417A8}"/>
               </a:ext>
             </a:extLst>
           </p:cNvPr>
@@ -1949,7 +1949,7 @@
           <a:bodyPr/>
           <a:lstStyle/>
           <a:p>
-            <a:fld id="{7A29CB31-7979-47D4-9A63-037537F3DA34}" type="datetimeFigureOut">
+            <a:fld id="{1D01E3F0-4E7F-4AA2-9E89-41938081599E}" type="datetimeFigureOut">
               <a:rPr lang="zh-CN" altLang="en-US" smtClean="0"/>
               <a:t>2024/3/10</a:t>
             </a:fld>
@@ -1962,7 +1962,7 @@
           <p:cNvPr id="4" name="页脚占位符 3">
             <a:extLst>
               <a:ext uri="{FF2B5EF4-FFF2-40B4-BE49-F238E27FC236}">
-                <a16:creationId xmlns:a16="http://schemas.microsoft.com/office/drawing/2014/main" id="{71142E94-E3C9-FC18-DBA2-D74775D6C1E3}"/>
+                <a16:creationId xmlns:a16="http://schemas.microsoft.com/office/drawing/2014/main" id="{61B9200B-2A99-0413-5AAD-2B17EF16A883}"/>
               </a:ext>
             </a:extLst>
           </p:cNvPr>
@@ -1987,7 +1987,7 @@
           <p:cNvPr id="5" name="灯片编号占位符 4">
             <a:extLst>
               <a:ext uri="{FF2B5EF4-FFF2-40B4-BE49-F238E27FC236}">
-                <a16:creationId xmlns:a16="http://schemas.microsoft.com/office/drawing/2014/main" id="{4761CB60-090F-ABE6-B1F6-0979828F1DEA}"/>
+                <a16:creationId xmlns:a16="http://schemas.microsoft.com/office/drawing/2014/main" id="{24FFB9C1-2830-CA65-C160-C8A1E2E4329B}"/>
               </a:ext>
             </a:extLst>
           </p:cNvPr>
@@ -2003,7 +2003,7 @@
           <a:bodyPr/>
           <a:lstStyle/>
           <a:p>
-            <a:fld id="{D0F760B3-065F-4BFB-B913-C7B3B63010CB}" type="slidenum">
+            <a:fld id="{A712FE33-2B27-4A01-98AB-2492BDF0F94C}" type="slidenum">
               <a:rPr lang="zh-CN" altLang="en-US" smtClean="0"/>
               <a:t>‹#›</a:t>
             </a:fld>
@@ -2014,7 +2014,7 @@
     </p:spTree>
     <p:extLst>
       <p:ext uri="{BB962C8B-B14F-4D97-AF65-F5344CB8AC3E}">
-        <p14:creationId xmlns:p14="http://schemas.microsoft.com/office/powerpoint/2010/main" val="3015586063"/>
+        <p14:creationId xmlns:p14="http://schemas.microsoft.com/office/powerpoint/2010/main" val="3486544759"/>
       </p:ext>
     </p:extLst>
   </p:cSld>
@@ -2046,7 +2046,7 @@
           <p:cNvPr id="2" name="日期占位符 1">
             <a:extLst>
               <a:ext uri="{FF2B5EF4-FFF2-40B4-BE49-F238E27FC236}">
-                <a16:creationId xmlns:a16="http://schemas.microsoft.com/office/drawing/2014/main" id="{DA48EFB0-C14E-5596-F736-5446B240E47A}"/>
+                <a16:creationId xmlns:a16="http://schemas.microsoft.com/office/drawing/2014/main" id="{082B1173-EEA5-FF26-A5D7-06A62BD5B445}"/>
               </a:ext>
             </a:extLst>
           </p:cNvPr>
@@ -2062,7 +2062,7 @@
           <a:bodyPr/>
           <a:lstStyle/>
           <a:p>
-            <a:fld id="{7A29CB31-7979-47D4-9A63-037537F3DA34}" type="datetimeFigureOut">
+            <a:fld id="{1D01E3F0-4E7F-4AA2-9E89-41938081599E}" type="datetimeFigureOut">
               <a:rPr lang="zh-CN" altLang="en-US" smtClean="0"/>
               <a:t>2024/3/10</a:t>
             </a:fld>
@@ -2075,7 +2075,7 @@
           <p:cNvPr id="3" name="页脚占位符 2">
             <a:extLst>
               <a:ext uri="{FF2B5EF4-FFF2-40B4-BE49-F238E27FC236}">
-                <a16:creationId xmlns:a16="http://schemas.microsoft.com/office/drawing/2014/main" id="{8A754F2B-CF0D-6936-97EF-3979FCFB7E21}"/>
+                <a16:creationId xmlns:a16="http://schemas.microsoft.com/office/drawing/2014/main" id="{DED224C0-C82C-9482-13D7-45DD3B3464AC}"/>
               </a:ext>
             </a:extLst>
           </p:cNvPr>
@@ -2100,7 +2100,7 @@
           <p:cNvPr id="4" name="灯片编号占位符 3">
             <a:extLst>
               <a:ext uri="{FF2B5EF4-FFF2-40B4-BE49-F238E27FC236}">
-                <a16:creationId xmlns:a16="http://schemas.microsoft.com/office/drawing/2014/main" id="{4F21D6A7-BD24-CACA-E01A-411AD8D44AC5}"/>
+                <a16:creationId xmlns:a16="http://schemas.microsoft.com/office/drawing/2014/main" id="{6C78E2A7-BE5C-710A-D1CD-5A22AD73D0F2}"/>
               </a:ext>
             </a:extLst>
           </p:cNvPr>
@@ -2116,7 +2116,7 @@
           <a:bodyPr/>
           <a:lstStyle/>
           <a:p>
-            <a:fld id="{D0F760B3-065F-4BFB-B913-C7B3B63010CB}" type="slidenum">
+            <a:fld id="{A712FE33-2B27-4A01-98AB-2492BDF0F94C}" type="slidenum">
               <a:rPr lang="zh-CN" altLang="en-US" smtClean="0"/>
               <a:t>‹#›</a:t>
             </a:fld>
@@ -2127,7 +2127,7 @@
     </p:spTree>
     <p:extLst>
       <p:ext uri="{BB962C8B-B14F-4D97-AF65-F5344CB8AC3E}">
-        <p14:creationId xmlns:p14="http://schemas.microsoft.com/office/powerpoint/2010/main" val="3670819285"/>
+        <p14:creationId xmlns:p14="http://schemas.microsoft.com/office/powerpoint/2010/main" val="1122709932"/>
       </p:ext>
     </p:extLst>
   </p:cSld>
@@ -2159,7 +2159,7 @@
           <p:cNvPr id="2" name="标题 1">
             <a:extLst>
               <a:ext uri="{FF2B5EF4-FFF2-40B4-BE49-F238E27FC236}">
-                <a16:creationId xmlns:a16="http://schemas.microsoft.com/office/drawing/2014/main" id="{B2B5DBC7-FAA6-4E86-1E7D-30AAD22360CB}"/>
+                <a16:creationId xmlns:a16="http://schemas.microsoft.com/office/drawing/2014/main" id="{8E6745CC-A62B-E880-4D4E-152E5DCEABD9}"/>
               </a:ext>
             </a:extLst>
           </p:cNvPr>
@@ -2196,7 +2196,7 @@
           <p:cNvPr id="3" name="内容占位符 2">
             <a:extLst>
               <a:ext uri="{FF2B5EF4-FFF2-40B4-BE49-F238E27FC236}">
-                <a16:creationId xmlns:a16="http://schemas.microsoft.com/office/drawing/2014/main" id="{C54946D1-3D14-4022-DA11-07A91E28F865}"/>
+                <a16:creationId xmlns:a16="http://schemas.microsoft.com/office/drawing/2014/main" id="{13C1E698-E296-CB07-EB6F-6FC25F679864}"/>
               </a:ext>
             </a:extLst>
           </p:cNvPr>
@@ -2286,7 +2286,7 @@
           <p:cNvPr id="4" name="文本占位符 3">
             <a:extLst>
               <a:ext uri="{FF2B5EF4-FFF2-40B4-BE49-F238E27FC236}">
-                <a16:creationId xmlns:a16="http://schemas.microsoft.com/office/drawing/2014/main" id="{401D2292-4B5C-63D8-7761-DE065A53B35D}"/>
+                <a16:creationId xmlns:a16="http://schemas.microsoft.com/office/drawing/2014/main" id="{82FDF3CA-5CD5-D9F8-D71D-4FC0B20B5DC6}"/>
               </a:ext>
             </a:extLst>
           </p:cNvPr>
@@ -2357,7 +2357,7 @@
           <p:cNvPr id="5" name="日期占位符 4">
             <a:extLst>
               <a:ext uri="{FF2B5EF4-FFF2-40B4-BE49-F238E27FC236}">
-                <a16:creationId xmlns:a16="http://schemas.microsoft.com/office/drawing/2014/main" id="{EF06FDAA-CDA7-A294-024E-42626EB563EB}"/>
+                <a16:creationId xmlns:a16="http://schemas.microsoft.com/office/drawing/2014/main" id="{B4F32FA8-BD8E-EDF3-7744-007AE28A4E95}"/>
               </a:ext>
             </a:extLst>
           </p:cNvPr>
@@ -2373,7 +2373,7 @@
           <a:bodyPr/>
           <a:lstStyle/>
           <a:p>
-            <a:fld id="{7A29CB31-7979-47D4-9A63-037537F3DA34}" type="datetimeFigureOut">
+            <a:fld id="{1D01E3F0-4E7F-4AA2-9E89-41938081599E}" type="datetimeFigureOut">
               <a:rPr lang="zh-CN" altLang="en-US" smtClean="0"/>
               <a:t>2024/3/10</a:t>
             </a:fld>
@@ -2386,7 +2386,7 @@
           <p:cNvPr id="6" name="页脚占位符 5">
             <a:extLst>
               <a:ext uri="{FF2B5EF4-FFF2-40B4-BE49-F238E27FC236}">
-                <a16:creationId xmlns:a16="http://schemas.microsoft.com/office/drawing/2014/main" id="{CC123F6A-7066-4E43-2D8D-EA2C285B7DDD}"/>
+                <a16:creationId xmlns:a16="http://schemas.microsoft.com/office/drawing/2014/main" id="{00B3015A-7169-56E9-F0DF-23A60171B066}"/>
               </a:ext>
             </a:extLst>
           </p:cNvPr>
@@ -2411,7 +2411,7 @@
           <p:cNvPr id="7" name="灯片编号占位符 6">
             <a:extLst>
               <a:ext uri="{FF2B5EF4-FFF2-40B4-BE49-F238E27FC236}">
-                <a16:creationId xmlns:a16="http://schemas.microsoft.com/office/drawing/2014/main" id="{F48B6982-63AE-B9BE-4E10-7EE15ABC0031}"/>
+                <a16:creationId xmlns:a16="http://schemas.microsoft.com/office/drawing/2014/main" id="{732B21B9-C63D-457C-621F-5F1E6B2E044B}"/>
               </a:ext>
             </a:extLst>
           </p:cNvPr>
@@ -2427,7 +2427,7 @@
           <a:bodyPr/>
           <a:lstStyle/>
           <a:p>
-            <a:fld id="{D0F760B3-065F-4BFB-B913-C7B3B63010CB}" type="slidenum">
+            <a:fld id="{A712FE33-2B27-4A01-98AB-2492BDF0F94C}" type="slidenum">
               <a:rPr lang="zh-CN" altLang="en-US" smtClean="0"/>
               <a:t>‹#›</a:t>
             </a:fld>
@@ -2438,7 +2438,7 @@
     </p:spTree>
     <p:extLst>
       <p:ext uri="{BB962C8B-B14F-4D97-AF65-F5344CB8AC3E}">
-        <p14:creationId xmlns:p14="http://schemas.microsoft.com/office/powerpoint/2010/main" val="4205036771"/>
+        <p14:creationId xmlns:p14="http://schemas.microsoft.com/office/powerpoint/2010/main" val="2113424751"/>
       </p:ext>
     </p:extLst>
   </p:cSld>
@@ -2470,7 +2470,7 @@
           <p:cNvPr id="2" name="标题 1">
             <a:extLst>
               <a:ext uri="{FF2B5EF4-FFF2-40B4-BE49-F238E27FC236}">
-                <a16:creationId xmlns:a16="http://schemas.microsoft.com/office/drawing/2014/main" id="{81D423AE-36E4-069E-EDE5-894195B8C19D}"/>
+                <a16:creationId xmlns:a16="http://schemas.microsoft.com/office/drawing/2014/main" id="{72D42999-C5EC-217F-5570-386F9A636C32}"/>
               </a:ext>
             </a:extLst>
           </p:cNvPr>
@@ -2507,7 +2507,7 @@
           <p:cNvPr id="3" name="图片占位符 2">
             <a:extLst>
               <a:ext uri="{FF2B5EF4-FFF2-40B4-BE49-F238E27FC236}">
-                <a16:creationId xmlns:a16="http://schemas.microsoft.com/office/drawing/2014/main" id="{A251A3B0-58D1-A52D-343B-29B29A474BE2}"/>
+                <a16:creationId xmlns:a16="http://schemas.microsoft.com/office/drawing/2014/main" id="{B8A39B67-6AD3-5849-7D27-7863EC5A3284}"/>
               </a:ext>
             </a:extLst>
           </p:cNvPr>
@@ -2574,7 +2574,7 @@
           <p:cNvPr id="4" name="文本占位符 3">
             <a:extLst>
               <a:ext uri="{FF2B5EF4-FFF2-40B4-BE49-F238E27FC236}">
-                <a16:creationId xmlns:a16="http://schemas.microsoft.com/office/drawing/2014/main" id="{55C7CFBD-5796-B08C-8563-418B4B9B3F63}"/>
+                <a16:creationId xmlns:a16="http://schemas.microsoft.com/office/drawing/2014/main" id="{34DD056D-843B-862B-48AA-C13117E09CBC}"/>
               </a:ext>
             </a:extLst>
           </p:cNvPr>
@@ -2645,7 +2645,7 @@
           <p:cNvPr id="5" name="日期占位符 4">
             <a:extLst>
               <a:ext uri="{FF2B5EF4-FFF2-40B4-BE49-F238E27FC236}">
-                <a16:creationId xmlns:a16="http://schemas.microsoft.com/office/drawing/2014/main" id="{9C7F7D93-294D-7F98-0F10-5FF3B4979AE1}"/>
+                <a16:creationId xmlns:a16="http://schemas.microsoft.com/office/drawing/2014/main" id="{693E45B4-B480-2937-721D-DCDB544F92B1}"/>
               </a:ext>
             </a:extLst>
           </p:cNvPr>
@@ -2661,7 +2661,7 @@
           <a:bodyPr/>
           <a:lstStyle/>
           <a:p>
-            <a:fld id="{7A29CB31-7979-47D4-9A63-037537F3DA34}" type="datetimeFigureOut">
+            <a:fld id="{1D01E3F0-4E7F-4AA2-9E89-41938081599E}" type="datetimeFigureOut">
               <a:rPr lang="zh-CN" altLang="en-US" smtClean="0"/>
               <a:t>2024/3/10</a:t>
             </a:fld>
@@ -2674,7 +2674,7 @@
           <p:cNvPr id="6" name="页脚占位符 5">
             <a:extLst>
               <a:ext uri="{FF2B5EF4-FFF2-40B4-BE49-F238E27FC236}">
-                <a16:creationId xmlns:a16="http://schemas.microsoft.com/office/drawing/2014/main" id="{315D9696-F2CA-1637-FC1D-31D85F2DCB96}"/>
+                <a16:creationId xmlns:a16="http://schemas.microsoft.com/office/drawing/2014/main" id="{7BC6D64C-9DBD-ED96-2BD8-F038DBD906A8}"/>
               </a:ext>
             </a:extLst>
           </p:cNvPr>
@@ -2699,7 +2699,7 @@
           <p:cNvPr id="7" name="灯片编号占位符 6">
             <a:extLst>
               <a:ext uri="{FF2B5EF4-FFF2-40B4-BE49-F238E27FC236}">
-                <a16:creationId xmlns:a16="http://schemas.microsoft.com/office/drawing/2014/main" id="{B3E3263B-3336-06EF-2381-1FAE5127692D}"/>
+                <a16:creationId xmlns:a16="http://schemas.microsoft.com/office/drawing/2014/main" id="{58AA2AEB-2053-6D51-F1D3-9905686A0697}"/>
               </a:ext>
             </a:extLst>
           </p:cNvPr>
@@ -2715,7 +2715,7 @@
           <a:bodyPr/>
           <a:lstStyle/>
           <a:p>
-            <a:fld id="{D0F760B3-065F-4BFB-B913-C7B3B63010CB}" type="slidenum">
+            <a:fld id="{A712FE33-2B27-4A01-98AB-2492BDF0F94C}" type="slidenum">
               <a:rPr lang="zh-CN" altLang="en-US" smtClean="0"/>
               <a:t>‹#›</a:t>
             </a:fld>
@@ -2726,7 +2726,7 @@
     </p:spTree>
     <p:extLst>
       <p:ext uri="{BB962C8B-B14F-4D97-AF65-F5344CB8AC3E}">
-        <p14:creationId xmlns:p14="http://schemas.microsoft.com/office/powerpoint/2010/main" val="2550041529"/>
+        <p14:creationId xmlns:p14="http://schemas.microsoft.com/office/powerpoint/2010/main" val="2289420994"/>
       </p:ext>
     </p:extLst>
   </p:cSld>
@@ -2763,7 +2763,7 @@
           <p:cNvPr id="2" name="标题占位符 1">
             <a:extLst>
               <a:ext uri="{FF2B5EF4-FFF2-40B4-BE49-F238E27FC236}">
-                <a16:creationId xmlns:a16="http://schemas.microsoft.com/office/drawing/2014/main" id="{8BDC367A-4551-C2E4-5E0A-6E1A17B3840D}"/>
+                <a16:creationId xmlns:a16="http://schemas.microsoft.com/office/drawing/2014/main" id="{DFF43072-E5FA-8753-2C9A-B84452B33965}"/>
               </a:ext>
             </a:extLst>
           </p:cNvPr>
@@ -2801,7 +2801,7 @@
           <p:cNvPr id="3" name="文本占位符 2">
             <a:extLst>
               <a:ext uri="{FF2B5EF4-FFF2-40B4-BE49-F238E27FC236}">
-                <a16:creationId xmlns:a16="http://schemas.microsoft.com/office/drawing/2014/main" id="{8058A4BE-9DF3-C1F1-C85B-0D4E49987320}"/>
+                <a16:creationId xmlns:a16="http://schemas.microsoft.com/office/drawing/2014/main" id="{2EE39463-E33B-C81A-10B6-664A47917998}"/>
               </a:ext>
             </a:extLst>
           </p:cNvPr>
@@ -2868,7 +2868,7 @@
           <p:cNvPr id="4" name="日期占位符 3">
             <a:extLst>
               <a:ext uri="{FF2B5EF4-FFF2-40B4-BE49-F238E27FC236}">
-                <a16:creationId xmlns:a16="http://schemas.microsoft.com/office/drawing/2014/main" id="{4F251316-827E-1B33-3770-58425F270F32}"/>
+                <a16:creationId xmlns:a16="http://schemas.microsoft.com/office/drawing/2014/main" id="{5D653B53-490B-31F1-D4AF-FDCFD30EBA52}"/>
               </a:ext>
             </a:extLst>
           </p:cNvPr>
@@ -2902,7 +2902,7 @@
             </a:lvl1pPr>
           </a:lstStyle>
           <a:p>
-            <a:fld id="{7A29CB31-7979-47D4-9A63-037537F3DA34}" type="datetimeFigureOut">
+            <a:fld id="{1D01E3F0-4E7F-4AA2-9E89-41938081599E}" type="datetimeFigureOut">
               <a:rPr lang="zh-CN" altLang="en-US" smtClean="0"/>
               <a:t>2024/3/10</a:t>
             </a:fld>
@@ -2915,7 +2915,7 @@
           <p:cNvPr id="5" name="页脚占位符 4">
             <a:extLst>
               <a:ext uri="{FF2B5EF4-FFF2-40B4-BE49-F238E27FC236}">
-                <a16:creationId xmlns:a16="http://schemas.microsoft.com/office/drawing/2014/main" id="{01690CD1-FC53-5BD3-9C13-7A36F02632B3}"/>
+                <a16:creationId xmlns:a16="http://schemas.microsoft.com/office/drawing/2014/main" id="{CDB53E81-F1EC-C303-0BB5-DB9836815050}"/>
               </a:ext>
             </a:extLst>
           </p:cNvPr>
@@ -2958,7 +2958,7 @@
           <p:cNvPr id="6" name="灯片编号占位符 5">
             <a:extLst>
               <a:ext uri="{FF2B5EF4-FFF2-40B4-BE49-F238E27FC236}">
-                <a16:creationId xmlns:a16="http://schemas.microsoft.com/office/drawing/2014/main" id="{8B264BF5-8DD7-368E-93A8-365869EF5C12}"/>
+                <a16:creationId xmlns:a16="http://schemas.microsoft.com/office/drawing/2014/main" id="{864C8078-DF77-FE2D-8C78-AF81287D6B70}"/>
               </a:ext>
             </a:extLst>
           </p:cNvPr>
@@ -2992,7 +2992,7 @@
             </a:lvl1pPr>
           </a:lstStyle>
           <a:p>
-            <a:fld id="{D0F760B3-065F-4BFB-B913-C7B3B63010CB}" type="slidenum">
+            <a:fld id="{A712FE33-2B27-4A01-98AB-2492BDF0F94C}" type="slidenum">
               <a:rPr lang="zh-CN" altLang="en-US" smtClean="0"/>
               <a:t>‹#›</a:t>
             </a:fld>
@@ -3003,7 +3003,7 @@
     </p:spTree>
     <p:extLst>
       <p:ext uri="{BB962C8B-B14F-4D97-AF65-F5344CB8AC3E}">
-        <p14:creationId xmlns:p14="http://schemas.microsoft.com/office/powerpoint/2010/main" val="2137769910"/>
+        <p14:creationId xmlns:p14="http://schemas.microsoft.com/office/powerpoint/2010/main" val="4134436042"/>
       </p:ext>
     </p:extLst>
   </p:cSld>
